--- a/Presentation.pptx
+++ b/Presentation.pptx
@@ -115,6 +115,11 @@
       </a:defRPr>
     </a:lvl9pPr>
   </p:defaultTextStyle>
+  <p:extLst>
+    <p:ext uri="{EFAFB233-063F-42B5-8137-9DF3F51BA10A}">
+      <p15:sldGuideLst xmlns:p15="http://schemas.microsoft.com/office/powerpoint/2012/main"/>
+    </p:ext>
+  </p:extLst>
 </p:presentation>
 </file>
 
@@ -6786,7 +6791,7 @@
           <a:schemeClr val="accent2">
             <a:tint val="40000"/>
             <a:alpha val="90000"/>
-            <a:hueOff val="-2045920"/>
+            <a:hueOff val="-2045918"/>
             <a:satOff val="22554"/>
             <a:lumOff val="2148"/>
             <a:alphaOff val="0"/>
@@ -6797,7 +6802,7 @@
             <a:schemeClr val="accent2">
               <a:tint val="40000"/>
               <a:alpha val="90000"/>
-              <a:hueOff val="-2045920"/>
+              <a:hueOff val="-2045918"/>
               <a:satOff val="22554"/>
               <a:lumOff val="2148"/>
               <a:alphaOff val="0"/>
@@ -6865,7 +6870,7 @@
           <a:schemeClr val="accent2">
             <a:tint val="40000"/>
             <a:alpha val="90000"/>
-            <a:hueOff val="-4091839"/>
+            <a:hueOff val="-4091836"/>
             <a:satOff val="45107"/>
             <a:lumOff val="4296"/>
             <a:alphaOff val="0"/>
@@ -6876,7 +6881,7 @@
             <a:schemeClr val="accent2">
               <a:tint val="40000"/>
               <a:alpha val="90000"/>
-              <a:hueOff val="-4091839"/>
+              <a:hueOff val="-4091836"/>
               <a:satOff val="45107"/>
               <a:lumOff val="4296"/>
               <a:alphaOff val="0"/>
@@ -16998,7 +17003,7 @@
             <a:fld id="{B61BEF0D-F0BB-DE4B-95CE-6DB70DBA9567}" type="datetimeFigureOut">
               <a:rPr lang="en-US" dirty="0"/>
               <a:pPr/>
-              <a:t>4/29/23</a:t>
+              <a:t>9/23/24</a:t>
             </a:fld>
             <a:endParaRPr lang="en-US" dirty="0"/>
           </a:p>
@@ -17246,7 +17251,7 @@
             <a:fld id="{B61BEF0D-F0BB-DE4B-95CE-6DB70DBA9567}" type="datetimeFigureOut">
               <a:rPr lang="en-US" dirty="0"/>
               <a:pPr/>
-              <a:t>4/29/23</a:t>
+              <a:t>9/23/24</a:t>
             </a:fld>
             <a:endParaRPr lang="en-US" dirty="0"/>
           </a:p>
@@ -17557,7 +17562,7 @@
             <a:fld id="{B61BEF0D-F0BB-DE4B-95CE-6DB70DBA9567}" type="datetimeFigureOut">
               <a:rPr lang="en-US" dirty="0"/>
               <a:pPr/>
-              <a:t>4/29/23</a:t>
+              <a:t>9/23/24</a:t>
             </a:fld>
             <a:endParaRPr lang="en-US" dirty="0"/>
           </a:p>
@@ -17895,7 +17900,7 @@
             <a:fld id="{B61BEF0D-F0BB-DE4B-95CE-6DB70DBA9567}" type="datetimeFigureOut">
               <a:rPr lang="en-US" dirty="0"/>
               <a:pPr/>
-              <a:t>4/29/23</a:t>
+              <a:t>9/23/24</a:t>
             </a:fld>
             <a:endParaRPr lang="en-US" dirty="0"/>
           </a:p>
@@ -18206,7 +18211,7 @@
             <a:fld id="{B61BEF0D-F0BB-DE4B-95CE-6DB70DBA9567}" type="datetimeFigureOut">
               <a:rPr lang="en-US" dirty="0"/>
               <a:pPr/>
-              <a:t>4/29/23</a:t>
+              <a:t>9/23/24</a:t>
             </a:fld>
             <a:endParaRPr lang="en-US" dirty="0"/>
           </a:p>
@@ -18596,7 +18601,7 @@
             <a:fld id="{B61BEF0D-F0BB-DE4B-95CE-6DB70DBA9567}" type="datetimeFigureOut">
               <a:rPr lang="en-US" dirty="0"/>
               <a:pPr/>
-              <a:t>4/29/23</a:t>
+              <a:t>9/23/24</a:t>
             </a:fld>
             <a:endParaRPr lang="en-US" dirty="0"/>
           </a:p>
@@ -18762,7 +18767,7 @@
           <a:p>
             <a:fld id="{55C6B4A9-1611-4792-9094-5F34BCA07E0B}" type="datetimeFigureOut">
               <a:rPr lang="en-US" dirty="0"/>
-              <a:t>4/29/23</a:t>
+              <a:t>9/23/24</a:t>
             </a:fld>
             <a:endParaRPr lang="en-US" dirty="0"/>
           </a:p>
@@ -18938,7 +18943,7 @@
             <a:fld id="{B61BEF0D-F0BB-DE4B-95CE-6DB70DBA9567}" type="datetimeFigureOut">
               <a:rPr lang="en-US" dirty="0"/>
               <a:pPr/>
-              <a:t>4/29/23</a:t>
+              <a:t>9/23/24</a:t>
             </a:fld>
             <a:endParaRPr lang="en-US" dirty="0"/>
           </a:p>
@@ -19111,7 +19116,7 @@
             <a:fld id="{B61BEF0D-F0BB-DE4B-95CE-6DB70DBA9567}" type="datetimeFigureOut">
               <a:rPr lang="en-US" dirty="0"/>
               <a:pPr/>
-              <a:t>4/29/23</a:t>
+              <a:t>9/23/24</a:t>
             </a:fld>
             <a:endParaRPr lang="en-US" dirty="0"/>
           </a:p>
@@ -19355,7 +19360,7 @@
             <a:fld id="{B61BEF0D-F0BB-DE4B-95CE-6DB70DBA9567}" type="datetimeFigureOut">
               <a:rPr lang="en-US" dirty="0"/>
               <a:pPr/>
-              <a:t>4/29/23</a:t>
+              <a:t>9/23/24</a:t>
             </a:fld>
             <a:endParaRPr lang="en-US" dirty="0"/>
           </a:p>
@@ -19583,7 +19588,7 @@
           <a:p>
             <a:fld id="{EB712588-04B1-427B-82EE-E8DB90309F08}" type="datetimeFigureOut">
               <a:rPr lang="en-US" dirty="0"/>
-              <a:t>4/29/23</a:t>
+              <a:t>9/23/24</a:t>
             </a:fld>
             <a:endParaRPr lang="en-US" dirty="0"/>
           </a:p>
@@ -19953,7 +19958,7 @@
             <a:fld id="{B61BEF0D-F0BB-DE4B-95CE-6DB70DBA9567}" type="datetimeFigureOut">
               <a:rPr lang="en-US" dirty="0"/>
               <a:pPr/>
-              <a:t>4/29/23</a:t>
+              <a:t>9/23/24</a:t>
             </a:fld>
             <a:endParaRPr lang="en-US" dirty="0"/>
           </a:p>
@@ -20073,7 +20078,7 @@
             <a:fld id="{B61BEF0D-F0BB-DE4B-95CE-6DB70DBA9567}" type="datetimeFigureOut">
               <a:rPr lang="en-US" dirty="0"/>
               <a:pPr/>
-              <a:t>4/29/23</a:t>
+              <a:t>9/23/24</a:t>
             </a:fld>
             <a:endParaRPr lang="en-US" dirty="0"/>
           </a:p>
@@ -20165,7 +20170,7 @@
             <a:fld id="{B61BEF0D-F0BB-DE4B-95CE-6DB70DBA9567}" type="datetimeFigureOut">
               <a:rPr lang="en-US" dirty="0"/>
               <a:pPr/>
-              <a:t>4/29/23</a:t>
+              <a:t>9/23/24</a:t>
             </a:fld>
             <a:endParaRPr lang="en-US" dirty="0"/>
           </a:p>
@@ -20416,7 +20421,7 @@
           <a:p>
             <a:fld id="{42A54C80-263E-416B-A8E0-580EDEADCBDC}" type="datetimeFigureOut">
               <a:rPr lang="en-US" dirty="0"/>
-              <a:t>4/29/23</a:t>
+              <a:t>9/23/24</a:t>
             </a:fld>
             <a:endParaRPr lang="en-US" dirty="0"/>
           </a:p>
@@ -20675,7 +20680,7 @@
             <a:fld id="{B61BEF0D-F0BB-DE4B-95CE-6DB70DBA9567}" type="datetimeFigureOut">
               <a:rPr lang="en-US" dirty="0"/>
               <a:pPr/>
-              <a:t>4/29/23</a:t>
+              <a:t>9/23/24</a:t>
             </a:fld>
             <a:endParaRPr lang="en-US" dirty="0"/>
           </a:p>
@@ -21415,7 +21420,7 @@
             <a:fld id="{B61BEF0D-F0BB-DE4B-95CE-6DB70DBA9567}" type="datetimeFigureOut">
               <a:rPr lang="en-US" dirty="0"/>
               <a:pPr/>
-              <a:t>4/29/23</a:t>
+              <a:t>9/23/24</a:t>
             </a:fld>
             <a:endParaRPr lang="en-US" dirty="0"/>
           </a:p>
@@ -22213,6 +22218,13 @@
               <a:schemeClr val="lt1"/>
             </a:fontRef>
           </p:style>
+          <p:txBody>
+            <a:bodyPr/>
+            <a:lstStyle/>
+            <a:p>
+              <a:endParaRPr lang="en-US"/>
+            </a:p>
+          </p:txBody>
         </p:sp>
         <p:sp>
           <p:nvSpPr>
@@ -22291,6 +22303,13 @@
               <a:schemeClr val="lt1"/>
             </a:fontRef>
           </p:style>
+          <p:txBody>
+            <a:bodyPr/>
+            <a:lstStyle/>
+            <a:p>
+              <a:endParaRPr lang="en-US"/>
+            </a:p>
+          </p:txBody>
         </p:sp>
         <p:sp>
           <p:nvSpPr>
@@ -22347,6 +22366,13 @@
               <a:schemeClr val="lt1"/>
             </a:fontRef>
           </p:style>
+          <p:txBody>
+            <a:bodyPr/>
+            <a:lstStyle/>
+            <a:p>
+              <a:endParaRPr lang="en-US"/>
+            </a:p>
+          </p:txBody>
         </p:sp>
         <p:sp>
           <p:nvSpPr>
@@ -22426,6 +22452,13 @@
               <a:schemeClr val="lt1"/>
             </a:fontRef>
           </p:style>
+          <p:txBody>
+            <a:bodyPr/>
+            <a:lstStyle/>
+            <a:p>
+              <a:endParaRPr lang="en-US"/>
+            </a:p>
+          </p:txBody>
         </p:sp>
         <p:sp>
           <p:nvSpPr>
@@ -22504,6 +22537,13 @@
               <a:schemeClr val="lt1"/>
             </a:fontRef>
           </p:style>
+          <p:txBody>
+            <a:bodyPr/>
+            <a:lstStyle/>
+            <a:p>
+              <a:endParaRPr lang="en-US"/>
+            </a:p>
+          </p:txBody>
         </p:sp>
         <p:sp>
           <p:nvSpPr>
@@ -22560,6 +22600,13 @@
               <a:schemeClr val="lt1"/>
             </a:fontRef>
           </p:style>
+          <p:txBody>
+            <a:bodyPr/>
+            <a:lstStyle/>
+            <a:p>
+              <a:endParaRPr lang="en-US"/>
+            </a:p>
+          </p:txBody>
         </p:sp>
         <p:sp>
           <p:nvSpPr>
@@ -22616,6 +22663,13 @@
               <a:schemeClr val="lt1"/>
             </a:fontRef>
           </p:style>
+          <p:txBody>
+            <a:bodyPr/>
+            <a:lstStyle/>
+            <a:p>
+              <a:endParaRPr lang="en-US"/>
+            </a:p>
+          </p:txBody>
         </p:sp>
       </p:grpSp>
       <p:sp>
@@ -22647,22 +22701,22 @@
           <a:lstStyle/>
           <a:p>
             <a:r>
-              <a:rPr lang="en-US">
+              <a:rPr lang="en-US" dirty="0">
                 <a:solidFill>
                   <a:schemeClr val="tx1"/>
                 </a:solidFill>
               </a:rPr>
-              <a:t>Name: Tilak Mudgal</a:t>
+              <a:t>Name: Suraj Basavaraj Rajolad</a:t>
             </a:r>
           </a:p>
           <a:p>
             <a:r>
-              <a:rPr lang="en-US">
+              <a:rPr lang="en-US" dirty="0">
                 <a:solidFill>
                   <a:schemeClr val="tx1"/>
                 </a:solidFill>
               </a:rPr>
-              <a:t>ID: 02020599</a:t>
+              <a:t>ID:02131154</a:t>
             </a:r>
           </a:p>
         </p:txBody>
@@ -22898,6 +22952,13 @@
             <a:schemeClr val="lt1"/>
           </a:fontRef>
         </p:style>
+        <p:txBody>
+          <a:bodyPr/>
+          <a:lstStyle/>
+          <a:p>
+            <a:endParaRPr lang="en-US"/>
+          </a:p>
+        </p:txBody>
       </p:sp>
       <p:sp>
         <p:nvSpPr>
@@ -22992,6 +23053,13 @@
             <a:schemeClr val="lt1"/>
           </a:fontRef>
         </p:style>
+        <p:txBody>
+          <a:bodyPr/>
+          <a:lstStyle/>
+          <a:p>
+            <a:endParaRPr lang="en-US"/>
+          </a:p>
+        </p:txBody>
       </p:sp>
     </p:spTree>
     <p:extLst>
@@ -23428,6 +23496,13 @@
             <a:schemeClr val="lt1"/>
           </a:fontRef>
         </p:style>
+        <p:txBody>
+          <a:bodyPr/>
+          <a:lstStyle/>
+          <a:p>
+            <a:endParaRPr lang="en-US"/>
+          </a:p>
+        </p:txBody>
       </p:sp>
       <p:sp>
         <p:nvSpPr>
@@ -23486,6 +23561,13 @@
             <a:schemeClr val="lt1"/>
           </a:fontRef>
         </p:style>
+        <p:txBody>
+          <a:bodyPr/>
+          <a:lstStyle/>
+          <a:p>
+            <a:endParaRPr lang="en-US"/>
+          </a:p>
+        </p:txBody>
       </p:sp>
       <p:graphicFrame>
         <p:nvGraphicFramePr>
@@ -23717,6 +23799,13 @@
             <a:schemeClr val="lt1"/>
           </a:fontRef>
         </p:style>
+        <p:txBody>
+          <a:bodyPr/>
+          <a:lstStyle/>
+          <a:p>
+            <a:endParaRPr lang="en-US"/>
+          </a:p>
+        </p:txBody>
       </p:sp>
       <p:sp>
         <p:nvSpPr>
@@ -23775,6 +23864,13 @@
             <a:schemeClr val="lt1"/>
           </a:fontRef>
         </p:style>
+        <p:txBody>
+          <a:bodyPr/>
+          <a:lstStyle/>
+          <a:p>
+            <a:endParaRPr lang="en-US"/>
+          </a:p>
+        </p:txBody>
       </p:sp>
       <p:graphicFrame>
         <p:nvGraphicFramePr>
@@ -23997,6 +24093,13 @@
             <a:schemeClr val="lt1"/>
           </a:fontRef>
         </p:style>
+        <p:txBody>
+          <a:bodyPr/>
+          <a:lstStyle/>
+          <a:p>
+            <a:endParaRPr lang="en-US"/>
+          </a:p>
+        </p:txBody>
       </p:sp>
       <p:sp>
         <p:nvSpPr>
@@ -24055,6 +24158,13 @@
             <a:schemeClr val="lt1"/>
           </a:fontRef>
         </p:style>
+        <p:txBody>
+          <a:bodyPr/>
+          <a:lstStyle/>
+          <a:p>
+            <a:endParaRPr lang="en-US"/>
+          </a:p>
+        </p:txBody>
       </p:sp>
       <p:graphicFrame>
         <p:nvGraphicFramePr>
@@ -24277,6 +24387,13 @@
             <a:schemeClr val="lt1"/>
           </a:fontRef>
         </p:style>
+        <p:txBody>
+          <a:bodyPr/>
+          <a:lstStyle/>
+          <a:p>
+            <a:endParaRPr lang="en-US"/>
+          </a:p>
+        </p:txBody>
       </p:sp>
       <p:sp>
         <p:nvSpPr>
@@ -24335,6 +24452,13 @@
             <a:schemeClr val="lt1"/>
           </a:fontRef>
         </p:style>
+        <p:txBody>
+          <a:bodyPr/>
+          <a:lstStyle/>
+          <a:p>
+            <a:endParaRPr lang="en-US"/>
+          </a:p>
+        </p:txBody>
       </p:sp>
       <p:graphicFrame>
         <p:nvGraphicFramePr>
